--- a/1_Deep_Learning_Theory/assignment_01/GPT-3.pptx
+++ b/1_Deep_Learning_Theory/assignment_01/GPT-3.pptx
@@ -8,6 +8,7 @@
     <p:sldId id="258" r:id="rId2"/>
     <p:sldId id="257" r:id="rId3"/>
     <p:sldId id="259" r:id="rId4"/>
+    <p:sldId id="260" r:id="rId5"/>
   </p:sldIdLst>
   <p:sldSz cx="12192000" cy="6858000"/>
   <p:notesSz cx="6858000" cy="9144000"/>
@@ -3754,6 +3755,10 @@
           <a:bodyPr/>
           <a:lstStyle/>
           <a:p>
+            <a:r>
+              <a:rPr lang="en-US" dirty="0"/>
+              <a:t>GPT-3</a:t>
+            </a:r>
             <a:endParaRPr lang="en-IN" dirty="0"/>
           </a:p>
         </p:txBody>
@@ -3779,7 +3784,7 @@
           <a:bodyPr/>
           <a:lstStyle/>
           <a:p>
-            <a:endParaRPr lang="en-IN"/>
+            <a:endParaRPr lang="en-IN" dirty="0"/>
           </a:p>
         </p:txBody>
       </p:sp>
@@ -3787,6 +3792,86 @@
     <p:extLst>
       <p:ext uri="{BB962C8B-B14F-4D97-AF65-F5344CB8AC3E}">
         <p14:creationId xmlns:p14="http://schemas.microsoft.com/office/powerpoint/2010/main" val="2599306482"/>
+      </p:ext>
+    </p:extLst>
+  </p:cSld>
+  <p:clrMapOvr>
+    <a:masterClrMapping/>
+  </p:clrMapOvr>
+</p:sld>
+</file>
+
+<file path=ppt/slides/slide4.xml><?xml version="1.0" encoding="utf-8"?>
+<p:sld xmlns:a="http://schemas.openxmlformats.org/drawingml/2006/main" xmlns:r="http://schemas.openxmlformats.org/officeDocument/2006/relationships" xmlns:p="http://schemas.openxmlformats.org/presentationml/2006/main">
+  <p:cSld>
+    <p:spTree>
+      <p:nvGrpSpPr>
+        <p:cNvPr id="1" name=""/>
+        <p:cNvGrpSpPr/>
+        <p:nvPr/>
+      </p:nvGrpSpPr>
+      <p:grpSpPr>
+        <a:xfrm>
+          <a:off x="0" y="0"/>
+          <a:ext cx="0" cy="0"/>
+          <a:chOff x="0" y="0"/>
+          <a:chExt cx="0" cy="0"/>
+        </a:xfrm>
+      </p:grpSpPr>
+      <p:sp>
+        <p:nvSpPr>
+          <p:cNvPr id="2" name="Title 1">
+            <a:extLst>
+              <a:ext uri="{FF2B5EF4-FFF2-40B4-BE49-F238E27FC236}">
+                <a16:creationId xmlns:a16="http://schemas.microsoft.com/office/drawing/2014/main" id="{52698E0F-6E82-4479-8BBA-BEE19A125AB5}"/>
+              </a:ext>
+            </a:extLst>
+          </p:cNvPr>
+          <p:cNvSpPr>
+            <a:spLocks noGrp="1"/>
+          </p:cNvSpPr>
+          <p:nvPr>
+            <p:ph type="title"/>
+          </p:nvPr>
+        </p:nvSpPr>
+        <p:spPr/>
+        <p:txBody>
+          <a:bodyPr/>
+          <a:lstStyle/>
+          <a:p>
+            <a:endParaRPr lang="en-IN"/>
+          </a:p>
+        </p:txBody>
+      </p:sp>
+      <p:sp>
+        <p:nvSpPr>
+          <p:cNvPr id="3" name="Content Placeholder 2">
+            <a:extLst>
+              <a:ext uri="{FF2B5EF4-FFF2-40B4-BE49-F238E27FC236}">
+                <a16:creationId xmlns:a16="http://schemas.microsoft.com/office/drawing/2014/main" id="{8C6A18A1-2EC3-459A-9E39-0C523F14FF25}"/>
+              </a:ext>
+            </a:extLst>
+          </p:cNvPr>
+          <p:cNvSpPr>
+            <a:spLocks noGrp="1"/>
+          </p:cNvSpPr>
+          <p:nvPr>
+            <p:ph idx="1"/>
+          </p:nvPr>
+        </p:nvSpPr>
+        <p:spPr/>
+        <p:txBody>
+          <a:bodyPr/>
+          <a:lstStyle/>
+          <a:p>
+            <a:endParaRPr lang="en-IN"/>
+          </a:p>
+        </p:txBody>
+      </p:sp>
+    </p:spTree>
+    <p:extLst>
+      <p:ext uri="{BB962C8B-B14F-4D97-AF65-F5344CB8AC3E}">
+        <p14:creationId xmlns:p14="http://schemas.microsoft.com/office/powerpoint/2010/main" val="1383534979"/>
       </p:ext>
     </p:extLst>
   </p:cSld>

--- a/1_Deep_Learning_Theory/assignment_01/GPT-3.pptx
+++ b/1_Deep_Learning_Theory/assignment_01/GPT-3.pptx
@@ -8,7 +8,10 @@
     <p:sldId id="258" r:id="rId2"/>
     <p:sldId id="257" r:id="rId3"/>
     <p:sldId id="259" r:id="rId4"/>
-    <p:sldId id="260" r:id="rId5"/>
+    <p:sldId id="261" r:id="rId5"/>
+    <p:sldId id="262" r:id="rId6"/>
+    <p:sldId id="260" r:id="rId7"/>
+    <p:sldId id="263" r:id="rId8"/>
   </p:sldIdLst>
   <p:sldSz cx="12192000" cy="6858000"/>
   <p:notesSz cx="6858000" cy="9144000"/>
@@ -264,7 +267,7 @@
           <a:p>
             <a:fld id="{403CB87E-4591-47A1-9046-CF63F17215EF}" type="datetime2">
               <a:rPr lang="en-US" smtClean="0"/>
-              <a:t>Monday, August 24, 2020</a:t>
+              <a:t>Monday, August 31, 2020</a:t>
             </a:fld>
             <a:endParaRPr lang="en-US" dirty="0"/>
           </a:p>
@@ -468,7 +471,7 @@
           <a:p>
             <a:fld id="{2FA17F0E-8070-4DFE-A821-9A699EDBAD7E}" type="datetime2">
               <a:rPr lang="en-US" smtClean="0"/>
-              <a:t>Monday, August 24, 2020</a:t>
+              <a:t>Monday, August 31, 2020</a:t>
             </a:fld>
             <a:endParaRPr lang="en-US"/>
           </a:p>
@@ -682,7 +685,7 @@
           <a:p>
             <a:fld id="{D88D34AE-C7BF-46E5-A968-01C6641F6476}" type="datetime2">
               <a:rPr lang="en-US" smtClean="0"/>
-              <a:t>Monday, August 24, 2020</a:t>
+              <a:t>Monday, August 31, 2020</a:t>
             </a:fld>
             <a:endParaRPr lang="en-US"/>
           </a:p>
@@ -886,7 +889,7 @@
           <a:p>
             <a:fld id="{F33DE70B-B772-416E-A790-995760B1742E}" type="datetime2">
               <a:rPr lang="en-US" smtClean="0"/>
-              <a:t>Monday, August 24, 2020</a:t>
+              <a:t>Monday, August 31, 2020</a:t>
             </a:fld>
             <a:endParaRPr lang="en-US" dirty="0"/>
           </a:p>
@@ -1167,7 +1170,7 @@
           <a:p>
             <a:fld id="{76760CDE-A6F1-4138-AF12-ED09E8E5FB6B}" type="datetime2">
               <a:rPr lang="en-US" smtClean="0"/>
-              <a:t>Monday, August 24, 2020</a:t>
+              <a:t>Monday, August 31, 2020</a:t>
             </a:fld>
             <a:endParaRPr lang="en-US"/>
           </a:p>
@@ -1439,7 +1442,7 @@
           <a:p>
             <a:fld id="{DB15F8B1-DB7B-4D28-A97D-40FB2DD1EF78}" type="datetime2">
               <a:rPr lang="en-US" smtClean="0"/>
-              <a:t>Monday, August 24, 2020</a:t>
+              <a:t>Monday, August 31, 2020</a:t>
             </a:fld>
             <a:endParaRPr lang="en-US"/>
           </a:p>
@@ -1858,7 +1861,7 @@
           <a:p>
             <a:fld id="{14039161-23B8-4738-9069-73EBE8884FDD}" type="datetime2">
               <a:rPr lang="en-US" smtClean="0"/>
-              <a:t>Monday, August 24, 2020</a:t>
+              <a:t>Monday, August 31, 2020</a:t>
             </a:fld>
             <a:endParaRPr lang="en-US"/>
           </a:p>
@@ -2004,7 +2007,7 @@
           <a:p>
             <a:fld id="{FA994D44-7693-499F-AC6C-11696134FE3F}" type="datetime2">
               <a:rPr lang="en-US" smtClean="0"/>
-              <a:t>Monday, August 24, 2020</a:t>
+              <a:t>Monday, August 31, 2020</a:t>
             </a:fld>
             <a:endParaRPr lang="en-US"/>
           </a:p>
@@ -2121,7 +2124,7 @@
           <a:p>
             <a:fld id="{363AF2AE-472C-4EF3-ABB2-24BAA9AE3CF7}" type="datetime2">
               <a:rPr lang="en-US" smtClean="0"/>
-              <a:t>Monday, August 24, 2020</a:t>
+              <a:t>Monday, August 31, 2020</a:t>
             </a:fld>
             <a:endParaRPr lang="en-US"/>
           </a:p>
@@ -2438,7 +2441,7 @@
           <a:p>
             <a:fld id="{EAEA162C-A7C1-4263-9453-1BAFF8C39559}" type="datetime2">
               <a:rPr lang="en-US" smtClean="0"/>
-              <a:t>Monday, August 24, 2020</a:t>
+              <a:t>Monday, August 31, 2020</a:t>
             </a:fld>
             <a:endParaRPr lang="en-US"/>
           </a:p>
@@ -2731,7 +2734,7 @@
           <a:p>
             <a:fld id="{64DF6793-3458-4587-8168-65F0C37A92D2}" type="datetime2">
               <a:rPr lang="en-US" smtClean="0"/>
-              <a:t>Monday, August 24, 2020</a:t>
+              <a:t>Monday, August 31, 2020</a:t>
             </a:fld>
             <a:endParaRPr lang="en-US"/>
           </a:p>
@@ -2979,7 +2982,7 @@
             <a:fld id="{E8352ED3-3C46-4C9A-9738-67B2D875E7E2}" type="datetime2">
               <a:rPr lang="en-US" smtClean="0"/>
               <a:pPr/>
-              <a:t>Monday, August 24, 2020</a:t>
+              <a:t>Monday, August 31, 2020</a:t>
             </a:fld>
             <a:endParaRPr lang="en-US" dirty="0"/>
           </a:p>
@@ -3784,6 +3787,24 @@
           <a:bodyPr/>
           <a:lstStyle/>
           <a:p>
+            <a:r>
+              <a:rPr lang="en-US" dirty="0"/>
+              <a:t>Generative Pre-trained Transformer 3 (GPT-3) is an autoregressive language model that uses deep learning to produce human-like text. </a:t>
+            </a:r>
+          </a:p>
+          <a:p>
+            <a:r>
+              <a:rPr lang="en-US" dirty="0"/>
+              <a:t>It is the third-generation language prediction model in the GPT-n series created by </a:t>
+            </a:r>
+            <a:r>
+              <a:rPr lang="en-US" dirty="0" err="1"/>
+              <a:t>OpenAI</a:t>
+            </a:r>
+            <a:r>
+              <a:rPr lang="en-US" dirty="0"/>
+              <a:t>, a for-profit San Francisco based artificial intelligence research laboratory.</a:t>
+            </a:r>
             <a:endParaRPr lang="en-IN" dirty="0"/>
           </a:p>
         </p:txBody>
@@ -3823,6 +3844,212 @@
           <p:cNvPr id="2" name="Title 1">
             <a:extLst>
               <a:ext uri="{FF2B5EF4-FFF2-40B4-BE49-F238E27FC236}">
+                <a16:creationId xmlns:a16="http://schemas.microsoft.com/office/drawing/2014/main" id="{4564E331-A34E-4179-8194-8A91F1AB0C65}"/>
+              </a:ext>
+            </a:extLst>
+          </p:cNvPr>
+          <p:cNvSpPr>
+            <a:spLocks noGrp="1"/>
+          </p:cNvSpPr>
+          <p:nvPr>
+            <p:ph type="title"/>
+          </p:nvPr>
+        </p:nvSpPr>
+        <p:spPr/>
+        <p:txBody>
+          <a:bodyPr/>
+          <a:lstStyle/>
+          <a:p>
+            <a:endParaRPr lang="en-IN"/>
+          </a:p>
+        </p:txBody>
+      </p:sp>
+      <p:sp>
+        <p:nvSpPr>
+          <p:cNvPr id="3" name="Content Placeholder 2">
+            <a:extLst>
+              <a:ext uri="{FF2B5EF4-FFF2-40B4-BE49-F238E27FC236}">
+                <a16:creationId xmlns:a16="http://schemas.microsoft.com/office/drawing/2014/main" id="{AAEADA3F-F752-4E04-95A1-8AA870A138AA}"/>
+              </a:ext>
+            </a:extLst>
+          </p:cNvPr>
+          <p:cNvSpPr>
+            <a:spLocks noGrp="1"/>
+          </p:cNvSpPr>
+          <p:nvPr>
+            <p:ph idx="1"/>
+          </p:nvPr>
+        </p:nvSpPr>
+        <p:spPr/>
+        <p:txBody>
+          <a:bodyPr/>
+          <a:lstStyle/>
+          <a:p>
+            <a:r>
+              <a:rPr lang="en-US" dirty="0"/>
+              <a:t>GPT-3 full version has a capacity of 175 billion machine learning parameters, which is over two orders of magnitude greater than that of its predecessor, GPT-2.</a:t>
+            </a:r>
+          </a:p>
+          <a:p>
+            <a:r>
+              <a:rPr lang="en-US" dirty="0"/>
+              <a:t>GPT-3, which was introduced in May 2020, and is in beta testing as of July 2020. </a:t>
+            </a:r>
+          </a:p>
+          <a:p>
+            <a:r>
+              <a:rPr lang="en-US" dirty="0"/>
+              <a:t>Prior to the release of GPT-3, the largest language model was Microsoft’s Turing NLG, introduced in February 2020, with a capacity of 17 billion parameters or less then 10 percent compared to GPT-3.</a:t>
+            </a:r>
+            <a:endParaRPr lang="en-IN" dirty="0"/>
+          </a:p>
+        </p:txBody>
+      </p:sp>
+    </p:spTree>
+    <p:extLst>
+      <p:ext uri="{BB962C8B-B14F-4D97-AF65-F5344CB8AC3E}">
+        <p14:creationId xmlns:p14="http://schemas.microsoft.com/office/powerpoint/2010/main" val="3222615481"/>
+      </p:ext>
+    </p:extLst>
+  </p:cSld>
+  <p:clrMapOvr>
+    <a:masterClrMapping/>
+  </p:clrMapOvr>
+</p:sld>
+</file>
+
+<file path=ppt/slides/slide5.xml><?xml version="1.0" encoding="utf-8"?>
+<p:sld xmlns:a="http://schemas.openxmlformats.org/drawingml/2006/main" xmlns:r="http://schemas.openxmlformats.org/officeDocument/2006/relationships" xmlns:p="http://schemas.openxmlformats.org/presentationml/2006/main">
+  <p:cSld>
+    <p:spTree>
+      <p:nvGrpSpPr>
+        <p:cNvPr id="1" name=""/>
+        <p:cNvGrpSpPr/>
+        <p:nvPr/>
+      </p:nvGrpSpPr>
+      <p:grpSpPr>
+        <a:xfrm>
+          <a:off x="0" y="0"/>
+          <a:ext cx="0" cy="0"/>
+          <a:chOff x="0" y="0"/>
+          <a:chExt cx="0" cy="0"/>
+        </a:xfrm>
+      </p:grpSpPr>
+      <p:sp>
+        <p:nvSpPr>
+          <p:cNvPr id="2" name="Title 1">
+            <a:extLst>
+              <a:ext uri="{FF2B5EF4-FFF2-40B4-BE49-F238E27FC236}">
+                <a16:creationId xmlns:a16="http://schemas.microsoft.com/office/drawing/2014/main" id="{EADE7444-1421-4F85-9A32-117315508007}"/>
+              </a:ext>
+            </a:extLst>
+          </p:cNvPr>
+          <p:cNvSpPr>
+            <a:spLocks noGrp="1"/>
+          </p:cNvSpPr>
+          <p:nvPr>
+            <p:ph type="title"/>
+          </p:nvPr>
+        </p:nvSpPr>
+        <p:spPr/>
+        <p:txBody>
+          <a:bodyPr/>
+          <a:lstStyle/>
+          <a:p>
+            <a:endParaRPr lang="en-IN"/>
+          </a:p>
+        </p:txBody>
+      </p:sp>
+      <p:sp>
+        <p:nvSpPr>
+          <p:cNvPr id="3" name="Content Placeholder 2">
+            <a:extLst>
+              <a:ext uri="{FF2B5EF4-FFF2-40B4-BE49-F238E27FC236}">
+                <a16:creationId xmlns:a16="http://schemas.microsoft.com/office/drawing/2014/main" id="{3DCF31F5-7DF0-4C13-B8D8-8D11FBB0935E}"/>
+              </a:ext>
+            </a:extLst>
+          </p:cNvPr>
+          <p:cNvSpPr>
+            <a:spLocks noGrp="1"/>
+          </p:cNvSpPr>
+          <p:nvPr>
+            <p:ph idx="1"/>
+          </p:nvPr>
+        </p:nvSpPr>
+        <p:spPr/>
+        <p:txBody>
+          <a:bodyPr/>
+          <a:lstStyle/>
+          <a:p>
+            <a:r>
+              <a:rPr lang="en-US" dirty="0"/>
+              <a:t>The quality of the text generated by GPT-3 is so high that it is difficult to distinguish from that written by a human, which has both benefits and risks.</a:t>
+            </a:r>
+          </a:p>
+          <a:p>
+            <a:r>
+              <a:rPr lang="en-US" dirty="0"/>
+              <a:t>Thirty-one </a:t>
+            </a:r>
+            <a:r>
+              <a:rPr lang="en-US" dirty="0" err="1"/>
+              <a:t>OpenAI</a:t>
+            </a:r>
+            <a:r>
+              <a:rPr lang="en-US" dirty="0"/>
+              <a:t> researchers and engineers presented the original May 28, 2020 paper introducing GPT-3. </a:t>
+            </a:r>
+          </a:p>
+          <a:p>
+            <a:r>
+              <a:rPr lang="en-US" dirty="0"/>
+              <a:t>In their paper, they warned of GPT-3’s potential dangers and called for research to mitigate risk.</a:t>
+            </a:r>
+          </a:p>
+          <a:p>
+            <a:r>
+              <a:rPr lang="en-US" dirty="0"/>
+              <a:t>David Chalmers, an Australian philosopher, described GPT-3 as one of the most interesting and important AI systems ever produced.</a:t>
+            </a:r>
+            <a:endParaRPr lang="en-IN" dirty="0"/>
+          </a:p>
+        </p:txBody>
+      </p:sp>
+    </p:spTree>
+    <p:extLst>
+      <p:ext uri="{BB962C8B-B14F-4D97-AF65-F5344CB8AC3E}">
+        <p14:creationId xmlns:p14="http://schemas.microsoft.com/office/powerpoint/2010/main" val="2342082718"/>
+      </p:ext>
+    </p:extLst>
+  </p:cSld>
+  <p:clrMapOvr>
+    <a:masterClrMapping/>
+  </p:clrMapOvr>
+</p:sld>
+</file>
+
+<file path=ppt/slides/slide6.xml><?xml version="1.0" encoding="utf-8"?>
+<p:sld xmlns:a="http://schemas.openxmlformats.org/drawingml/2006/main" xmlns:r="http://schemas.openxmlformats.org/officeDocument/2006/relationships" xmlns:p="http://schemas.openxmlformats.org/presentationml/2006/main">
+  <p:cSld>
+    <p:spTree>
+      <p:nvGrpSpPr>
+        <p:cNvPr id="1" name=""/>
+        <p:cNvGrpSpPr/>
+        <p:nvPr/>
+      </p:nvGrpSpPr>
+      <p:grpSpPr>
+        <a:xfrm>
+          <a:off x="0" y="0"/>
+          <a:ext cx="0" cy="0"/>
+          <a:chOff x="0" y="0"/>
+          <a:chExt cx="0" cy="0"/>
+        </a:xfrm>
+      </p:grpSpPr>
+      <p:sp>
+        <p:nvSpPr>
+          <p:cNvPr id="2" name="Title 1">
+            <a:extLst>
+              <a:ext uri="{FF2B5EF4-FFF2-40B4-BE49-F238E27FC236}">
                 <a16:creationId xmlns:a16="http://schemas.microsoft.com/office/drawing/2014/main" id="{52698E0F-6E82-4479-8BBA-BEE19A125AB5}"/>
               </a:ext>
             </a:extLst>
@@ -3839,7 +4066,11 @@
           <a:bodyPr/>
           <a:lstStyle/>
           <a:p>
-            <a:endParaRPr lang="en-IN"/>
+            <a:r>
+              <a:rPr lang="en-US" dirty="0"/>
+              <a:t>Need of GPT-4</a:t>
+            </a:r>
+            <a:endParaRPr lang="en-IN" dirty="0"/>
           </a:p>
         </p:txBody>
       </p:sp>
@@ -3864,7 +4095,48 @@
           <a:bodyPr/>
           <a:lstStyle/>
           <a:p>
-            <a:endParaRPr lang="en-IN"/>
+            <a:r>
+              <a:rPr lang="en-US" dirty="0"/>
+              <a:t>Human brain has 100 trillion* synapse</a:t>
+            </a:r>
+          </a:p>
+          <a:p>
+            <a:pPr lvl="1"/>
+            <a:r>
+              <a:rPr lang="en-US" dirty="0"/>
+              <a:t>Could be 1000+ trillion considering </a:t>
+            </a:r>
+            <a:r>
+              <a:rPr lang="en-US"/>
+              <a:t>ANN ≠ </a:t>
+            </a:r>
+            <a:r>
+              <a:rPr lang="en-US" dirty="0"/>
+              <a:t>BNN</a:t>
+            </a:r>
+          </a:p>
+          <a:p>
+            <a:r>
+              <a:rPr lang="en-US" dirty="0"/>
+              <a:t>GPT-3 has 175 billion parameters</a:t>
+            </a:r>
+          </a:p>
+          <a:p>
+            <a:pPr lvl="1"/>
+            <a:r>
+              <a:rPr lang="en-US" dirty="0"/>
+              <a:t>Compute: 3.14E+23 flops</a:t>
+            </a:r>
+          </a:p>
+          <a:p>
+            <a:pPr lvl="1"/>
+            <a:r>
+              <a:rPr lang="en-US" dirty="0"/>
+              <a:t>Cost: $4.6 million</a:t>
+            </a:r>
+          </a:p>
+          <a:p>
+            <a:endParaRPr lang="en-IN" dirty="0"/>
           </a:p>
         </p:txBody>
       </p:sp>
@@ -3878,6 +4150,513 @@
   <p:clrMapOvr>
     <a:masterClrMapping/>
   </p:clrMapOvr>
+</p:sld>
+</file>
+
+<file path=ppt/slides/slide7.xml><?xml version="1.0" encoding="utf-8"?>
+<p:sld xmlns:a="http://schemas.openxmlformats.org/drawingml/2006/main" xmlns:r="http://schemas.openxmlformats.org/officeDocument/2006/relationships" xmlns:p="http://schemas.openxmlformats.org/presentationml/2006/main">
+  <p:cSld>
+    <p:spTree>
+      <p:nvGrpSpPr>
+        <p:cNvPr id="1" name=""/>
+        <p:cNvGrpSpPr/>
+        <p:nvPr/>
+      </p:nvGrpSpPr>
+      <p:grpSpPr>
+        <a:xfrm>
+          <a:off x="0" y="0"/>
+          <a:ext cx="0" cy="0"/>
+          <a:chOff x="0" y="0"/>
+          <a:chExt cx="0" cy="0"/>
+        </a:xfrm>
+      </p:grpSpPr>
+      <p:sp>
+        <p:nvSpPr>
+          <p:cNvPr id="2" name="Title 1">
+            <a:extLst>
+              <a:ext uri="{FF2B5EF4-FFF2-40B4-BE49-F238E27FC236}">
+                <a16:creationId xmlns:a16="http://schemas.microsoft.com/office/drawing/2014/main" id="{D1BBC354-710D-40C8-AFE9-BF55385C2619}"/>
+              </a:ext>
+            </a:extLst>
+          </p:cNvPr>
+          <p:cNvSpPr>
+            <a:spLocks noGrp="1"/>
+          </p:cNvSpPr>
+          <p:nvPr>
+            <p:ph type="title"/>
+          </p:nvPr>
+        </p:nvSpPr>
+        <p:spPr/>
+        <p:txBody>
+          <a:bodyPr>
+            <a:noAutofit/>
+          </a:bodyPr>
+          <a:lstStyle/>
+          <a:p>
+            <a:r>
+              <a:rPr lang="en-US" sz="2800" dirty="0"/>
+              <a:t>How much does it cost to train a model with 100 trillion synapses?</a:t>
+            </a:r>
+            <a:br>
+              <a:rPr lang="en-US" sz="2800" dirty="0"/>
+            </a:br>
+            <a:endParaRPr lang="en-IN" sz="2800" dirty="0"/>
+          </a:p>
+        </p:txBody>
+      </p:sp>
+      <p:sp>
+        <p:nvSpPr>
+          <p:cNvPr id="3" name="Content Placeholder 2">
+            <a:extLst>
+              <a:ext uri="{FF2B5EF4-FFF2-40B4-BE49-F238E27FC236}">
+                <a16:creationId xmlns:a16="http://schemas.microsoft.com/office/drawing/2014/main" id="{083DC79D-0C2E-4C37-9D34-E61897185834}"/>
+              </a:ext>
+            </a:extLst>
+          </p:cNvPr>
+          <p:cNvSpPr>
+            <a:spLocks noGrp="1"/>
+          </p:cNvSpPr>
+          <p:nvPr>
+            <p:ph idx="1"/>
+          </p:nvPr>
+        </p:nvSpPr>
+        <p:spPr/>
+        <p:txBody>
+          <a:bodyPr/>
+          <a:lstStyle/>
+          <a:p>
+            <a:r>
+              <a:rPr lang="en-US" dirty="0"/>
+              <a:t>GPT-3: 175 billion parameters</a:t>
+            </a:r>
+          </a:p>
+          <a:p>
+            <a:pPr lvl="1"/>
+            <a:r>
+              <a:rPr lang="en-US" dirty="0"/>
+              <a:t>Cost (2020): $4.6 millions</a:t>
+            </a:r>
+          </a:p>
+          <a:p>
+            <a:r>
+              <a:rPr lang="en-US" dirty="0"/>
+              <a:t>GPT-4: 100trillion parameters</a:t>
+            </a:r>
+          </a:p>
+          <a:p>
+            <a:pPr lvl="1"/>
+            <a:r>
+              <a:rPr lang="en-US" dirty="0"/>
+              <a:t>Cost (2020): $2.6 billions</a:t>
+            </a:r>
+          </a:p>
+          <a:p>
+            <a:pPr lvl="1"/>
+            <a:r>
+              <a:rPr lang="en-US" dirty="0"/>
+              <a:t>Cost (2024): $325 million</a:t>
+            </a:r>
+          </a:p>
+          <a:p>
+            <a:pPr lvl="1"/>
+            <a:r>
+              <a:rPr lang="en-US" dirty="0"/>
+              <a:t>Cost (2028): $40 million</a:t>
+            </a:r>
+          </a:p>
+          <a:p>
+            <a:pPr lvl="1"/>
+            <a:r>
+              <a:rPr lang="en-US" dirty="0"/>
+              <a:t>Cost (2032): $5 million</a:t>
+            </a:r>
+            <a:endParaRPr lang="en-IN" dirty="0"/>
+          </a:p>
+        </p:txBody>
+      </p:sp>
+    </p:spTree>
+    <p:extLst>
+      <p:ext uri="{BB962C8B-B14F-4D97-AF65-F5344CB8AC3E}">
+        <p14:creationId xmlns:p14="http://schemas.microsoft.com/office/powerpoint/2010/main" val="894036798"/>
+      </p:ext>
+    </p:extLst>
+  </p:cSld>
+  <p:clrMapOvr>
+    <a:masterClrMapping/>
+  </p:clrMapOvr>
+  <p:timing>
+    <p:tnLst>
+      <p:par>
+        <p:cTn id="1" dur="indefinite" restart="never" nodeType="tmRoot">
+          <p:childTnLst>
+            <p:seq concurrent="1" nextAc="seek">
+              <p:cTn id="2" dur="indefinite" nodeType="mainSeq">
+                <p:childTnLst>
+                  <p:par>
+                    <p:cTn id="3" fill="hold">
+                      <p:stCondLst>
+                        <p:cond delay="indefinite"/>
+                      </p:stCondLst>
+                      <p:childTnLst>
+                        <p:par>
+                          <p:cTn id="4" fill="hold">
+                            <p:stCondLst>
+                              <p:cond delay="0"/>
+                            </p:stCondLst>
+                            <p:childTnLst>
+                              <p:par>
+                                <p:cTn id="5" presetID="1" presetClass="entr" presetSubtype="0" fill="hold" nodeType="clickEffect">
+                                  <p:stCondLst>
+                                    <p:cond delay="0"/>
+                                  </p:stCondLst>
+                                  <p:childTnLst>
+                                    <p:set>
+                                      <p:cBhvr>
+                                        <p:cTn id="6" dur="1" fill="hold">
+                                          <p:stCondLst>
+                                            <p:cond delay="0"/>
+                                          </p:stCondLst>
+                                        </p:cTn>
+                                        <p:tgtEl>
+                                          <p:spTgt spid="3">
+                                            <p:txEl>
+                                              <p:pRg st="0" end="0"/>
+                                            </p:txEl>
+                                          </p:spTgt>
+                                        </p:tgtEl>
+                                        <p:attrNameLst>
+                                          <p:attrName>style.visibility</p:attrName>
+                                        </p:attrNameLst>
+                                      </p:cBhvr>
+                                      <p:to>
+                                        <p:strVal val="visible"/>
+                                      </p:to>
+                                    </p:set>
+                                  </p:childTnLst>
+                                </p:cTn>
+                              </p:par>
+                            </p:childTnLst>
+                          </p:cTn>
+                        </p:par>
+                      </p:childTnLst>
+                    </p:cTn>
+                  </p:par>
+                  <p:par>
+                    <p:cTn id="7" fill="hold">
+                      <p:stCondLst>
+                        <p:cond delay="indefinite"/>
+                      </p:stCondLst>
+                      <p:childTnLst>
+                        <p:par>
+                          <p:cTn id="8" fill="hold">
+                            <p:stCondLst>
+                              <p:cond delay="0"/>
+                            </p:stCondLst>
+                            <p:childTnLst>
+                              <p:par>
+                                <p:cTn id="9" presetID="1" presetClass="entr" presetSubtype="0" fill="hold" nodeType="clickEffect">
+                                  <p:stCondLst>
+                                    <p:cond delay="0"/>
+                                  </p:stCondLst>
+                                  <p:childTnLst>
+                                    <p:set>
+                                      <p:cBhvr>
+                                        <p:cTn id="10" dur="1" fill="hold">
+                                          <p:stCondLst>
+                                            <p:cond delay="0"/>
+                                          </p:stCondLst>
+                                        </p:cTn>
+                                        <p:tgtEl>
+                                          <p:spTgt spid="3">
+                                            <p:txEl>
+                                              <p:pRg st="1" end="1"/>
+                                            </p:txEl>
+                                          </p:spTgt>
+                                        </p:tgtEl>
+                                        <p:attrNameLst>
+                                          <p:attrName>style.visibility</p:attrName>
+                                        </p:attrNameLst>
+                                      </p:cBhvr>
+                                      <p:to>
+                                        <p:strVal val="visible"/>
+                                      </p:to>
+                                    </p:set>
+                                  </p:childTnLst>
+                                </p:cTn>
+                              </p:par>
+                            </p:childTnLst>
+                          </p:cTn>
+                        </p:par>
+                      </p:childTnLst>
+                    </p:cTn>
+                  </p:par>
+                  <p:par>
+                    <p:cTn id="11" fill="hold">
+                      <p:stCondLst>
+                        <p:cond delay="indefinite"/>
+                      </p:stCondLst>
+                      <p:childTnLst>
+                        <p:par>
+                          <p:cTn id="12" fill="hold">
+                            <p:stCondLst>
+                              <p:cond delay="0"/>
+                            </p:stCondLst>
+                            <p:childTnLst>
+                              <p:par>
+                                <p:cTn id="13" presetID="1" presetClass="entr" presetSubtype="0" fill="hold" nodeType="clickEffect">
+                                  <p:stCondLst>
+                                    <p:cond delay="0"/>
+                                  </p:stCondLst>
+                                  <p:childTnLst>
+                                    <p:set>
+                                      <p:cBhvr>
+                                        <p:cTn id="14" dur="1" fill="hold">
+                                          <p:stCondLst>
+                                            <p:cond delay="0"/>
+                                          </p:stCondLst>
+                                        </p:cTn>
+                                        <p:tgtEl>
+                                          <p:spTgt spid="3">
+                                            <p:txEl>
+                                              <p:pRg st="2" end="2"/>
+                                            </p:txEl>
+                                          </p:spTgt>
+                                        </p:tgtEl>
+                                        <p:attrNameLst>
+                                          <p:attrName>style.visibility</p:attrName>
+                                        </p:attrNameLst>
+                                      </p:cBhvr>
+                                      <p:to>
+                                        <p:strVal val="visible"/>
+                                      </p:to>
+                                    </p:set>
+                                  </p:childTnLst>
+                                </p:cTn>
+                              </p:par>
+                            </p:childTnLst>
+                          </p:cTn>
+                        </p:par>
+                      </p:childTnLst>
+                    </p:cTn>
+                  </p:par>
+                  <p:par>
+                    <p:cTn id="15" fill="hold">
+                      <p:stCondLst>
+                        <p:cond delay="indefinite"/>
+                      </p:stCondLst>
+                      <p:childTnLst>
+                        <p:par>
+                          <p:cTn id="16" fill="hold">
+                            <p:stCondLst>
+                              <p:cond delay="0"/>
+                            </p:stCondLst>
+                            <p:childTnLst>
+                              <p:par>
+                                <p:cTn id="17" presetID="1" presetClass="entr" presetSubtype="0" fill="hold" nodeType="clickEffect">
+                                  <p:stCondLst>
+                                    <p:cond delay="0"/>
+                                  </p:stCondLst>
+                                  <p:childTnLst>
+                                    <p:set>
+                                      <p:cBhvr>
+                                        <p:cTn id="18" dur="1" fill="hold">
+                                          <p:stCondLst>
+                                            <p:cond delay="0"/>
+                                          </p:stCondLst>
+                                        </p:cTn>
+                                        <p:tgtEl>
+                                          <p:spTgt spid="3">
+                                            <p:txEl>
+                                              <p:pRg st="3" end="3"/>
+                                            </p:txEl>
+                                          </p:spTgt>
+                                        </p:tgtEl>
+                                        <p:attrNameLst>
+                                          <p:attrName>style.visibility</p:attrName>
+                                        </p:attrNameLst>
+                                      </p:cBhvr>
+                                      <p:to>
+                                        <p:strVal val="visible"/>
+                                      </p:to>
+                                    </p:set>
+                                  </p:childTnLst>
+                                </p:cTn>
+                              </p:par>
+                            </p:childTnLst>
+                          </p:cTn>
+                        </p:par>
+                      </p:childTnLst>
+                    </p:cTn>
+                  </p:par>
+                  <p:par>
+                    <p:cTn id="19" fill="hold">
+                      <p:stCondLst>
+                        <p:cond delay="indefinite"/>
+                      </p:stCondLst>
+                      <p:childTnLst>
+                        <p:par>
+                          <p:cTn id="20" fill="hold">
+                            <p:stCondLst>
+                              <p:cond delay="0"/>
+                            </p:stCondLst>
+                            <p:childTnLst>
+                              <p:par>
+                                <p:cTn id="21" presetID="1" presetClass="entr" presetSubtype="0" fill="hold" nodeType="clickEffect">
+                                  <p:stCondLst>
+                                    <p:cond delay="0"/>
+                                  </p:stCondLst>
+                                  <p:childTnLst>
+                                    <p:set>
+                                      <p:cBhvr>
+                                        <p:cTn id="22" dur="1" fill="hold">
+                                          <p:stCondLst>
+                                            <p:cond delay="0"/>
+                                          </p:stCondLst>
+                                        </p:cTn>
+                                        <p:tgtEl>
+                                          <p:spTgt spid="3">
+                                            <p:txEl>
+                                              <p:pRg st="4" end="4"/>
+                                            </p:txEl>
+                                          </p:spTgt>
+                                        </p:tgtEl>
+                                        <p:attrNameLst>
+                                          <p:attrName>style.visibility</p:attrName>
+                                        </p:attrNameLst>
+                                      </p:cBhvr>
+                                      <p:to>
+                                        <p:strVal val="visible"/>
+                                      </p:to>
+                                    </p:set>
+                                  </p:childTnLst>
+                                </p:cTn>
+                              </p:par>
+                            </p:childTnLst>
+                          </p:cTn>
+                        </p:par>
+                      </p:childTnLst>
+                    </p:cTn>
+                  </p:par>
+                  <p:par>
+                    <p:cTn id="23" fill="hold">
+                      <p:stCondLst>
+                        <p:cond delay="indefinite"/>
+                      </p:stCondLst>
+                      <p:childTnLst>
+                        <p:par>
+                          <p:cTn id="24" fill="hold">
+                            <p:stCondLst>
+                              <p:cond delay="0"/>
+                            </p:stCondLst>
+                            <p:childTnLst>
+                              <p:par>
+                                <p:cTn id="25" presetID="1" presetClass="entr" presetSubtype="0" fill="hold" nodeType="clickEffect">
+                                  <p:stCondLst>
+                                    <p:cond delay="0"/>
+                                  </p:stCondLst>
+                                  <p:childTnLst>
+                                    <p:set>
+                                      <p:cBhvr>
+                                        <p:cTn id="26" dur="1" fill="hold">
+                                          <p:stCondLst>
+                                            <p:cond delay="0"/>
+                                          </p:stCondLst>
+                                        </p:cTn>
+                                        <p:tgtEl>
+                                          <p:spTgt spid="3">
+                                            <p:txEl>
+                                              <p:pRg st="5" end="5"/>
+                                            </p:txEl>
+                                          </p:spTgt>
+                                        </p:tgtEl>
+                                        <p:attrNameLst>
+                                          <p:attrName>style.visibility</p:attrName>
+                                        </p:attrNameLst>
+                                      </p:cBhvr>
+                                      <p:to>
+                                        <p:strVal val="visible"/>
+                                      </p:to>
+                                    </p:set>
+                                  </p:childTnLst>
+                                </p:cTn>
+                              </p:par>
+                            </p:childTnLst>
+                          </p:cTn>
+                        </p:par>
+                      </p:childTnLst>
+                    </p:cTn>
+                  </p:par>
+                  <p:par>
+                    <p:cTn id="27" fill="hold">
+                      <p:stCondLst>
+                        <p:cond delay="indefinite"/>
+                      </p:stCondLst>
+                      <p:childTnLst>
+                        <p:par>
+                          <p:cTn id="28" fill="hold">
+                            <p:stCondLst>
+                              <p:cond delay="0"/>
+                            </p:stCondLst>
+                            <p:childTnLst>
+                              <p:par>
+                                <p:cTn id="29" presetID="1" presetClass="entr" presetSubtype="0" fill="hold" nodeType="clickEffect">
+                                  <p:stCondLst>
+                                    <p:cond delay="0"/>
+                                  </p:stCondLst>
+                                  <p:childTnLst>
+                                    <p:set>
+                                      <p:cBhvr>
+                                        <p:cTn id="30" dur="1" fill="hold">
+                                          <p:stCondLst>
+                                            <p:cond delay="0"/>
+                                          </p:stCondLst>
+                                        </p:cTn>
+                                        <p:tgtEl>
+                                          <p:spTgt spid="3">
+                                            <p:txEl>
+                                              <p:pRg st="6" end="6"/>
+                                            </p:txEl>
+                                          </p:spTgt>
+                                        </p:tgtEl>
+                                        <p:attrNameLst>
+                                          <p:attrName>style.visibility</p:attrName>
+                                        </p:attrNameLst>
+                                      </p:cBhvr>
+                                      <p:to>
+                                        <p:strVal val="visible"/>
+                                      </p:to>
+                                    </p:set>
+                                  </p:childTnLst>
+                                </p:cTn>
+                              </p:par>
+                            </p:childTnLst>
+                          </p:cTn>
+                        </p:par>
+                      </p:childTnLst>
+                    </p:cTn>
+                  </p:par>
+                </p:childTnLst>
+              </p:cTn>
+              <p:prevCondLst>
+                <p:cond evt="onPrev" delay="0">
+                  <p:tgtEl>
+                    <p:sldTgt/>
+                  </p:tgtEl>
+                </p:cond>
+              </p:prevCondLst>
+              <p:nextCondLst>
+                <p:cond evt="onNext" delay="0">
+                  <p:tgtEl>
+                    <p:sldTgt/>
+                  </p:tgtEl>
+                </p:cond>
+              </p:nextCondLst>
+            </p:seq>
+          </p:childTnLst>
+        </p:cTn>
+      </p:par>
+    </p:tnLst>
+  </p:timing>
 </p:sld>
 </file>
 
